--- a/ppt 16-9/0527.主是我否.pptx
+++ b/ppt 16-9/0527.主是我否.pptx
@@ -129,7 +129,7 @@
           <p:cNvPr id="2" name="标题 1">
             <a:extLst>
               <a:ext uri="{FF2B5EF4-FFF2-40B4-BE49-F238E27FC236}">
-                <a16:creationId xmlns:a16="http://schemas.microsoft.com/office/drawing/2014/main" id="{EC324FE4-FFDF-FB1F-1F68-F15A6E0D2AB7}"/>
+                <a16:creationId xmlns:a16="http://schemas.microsoft.com/office/drawing/2014/main" id="{E79D6724-045C-52B3-D48D-2AC837179B1D}"/>
               </a:ext>
             </a:extLst>
           </p:cNvPr>
@@ -166,7 +166,7 @@
           <p:cNvPr id="3" name="副标题 2">
             <a:extLst>
               <a:ext uri="{FF2B5EF4-FFF2-40B4-BE49-F238E27FC236}">
-                <a16:creationId xmlns:a16="http://schemas.microsoft.com/office/drawing/2014/main" id="{C2C7065A-C765-4ECC-68C2-6F85C83701AC}"/>
+                <a16:creationId xmlns:a16="http://schemas.microsoft.com/office/drawing/2014/main" id="{5535D9D6-4160-2D6F-940D-BB43BE081B98}"/>
               </a:ext>
             </a:extLst>
           </p:cNvPr>
@@ -236,7 +236,7 @@
           <p:cNvPr id="4" name="日期占位符 3">
             <a:extLst>
               <a:ext uri="{FF2B5EF4-FFF2-40B4-BE49-F238E27FC236}">
-                <a16:creationId xmlns:a16="http://schemas.microsoft.com/office/drawing/2014/main" id="{AA821B53-F2D2-A2E2-0DDA-FC1DEFDD1BA0}"/>
+                <a16:creationId xmlns:a16="http://schemas.microsoft.com/office/drawing/2014/main" id="{A7351536-12FA-09F0-372B-52AD0955A417}"/>
               </a:ext>
             </a:extLst>
           </p:cNvPr>
@@ -252,7 +252,7 @@
           <a:bodyPr/>
           <a:lstStyle/>
           <a:p>
-            <a:fld id="{30F3126F-472D-4613-B5D2-FCE1CFFE4973}" type="datetimeFigureOut">
+            <a:fld id="{A9ACB10A-663B-4F4A-A10C-E3833C9A87A6}" type="datetimeFigureOut">
               <a:rPr lang="zh-CN" altLang="en-US" smtClean="0"/>
               <a:t>2024/3/10</a:t>
             </a:fld>
@@ -265,7 +265,7 @@
           <p:cNvPr id="5" name="页脚占位符 4">
             <a:extLst>
               <a:ext uri="{FF2B5EF4-FFF2-40B4-BE49-F238E27FC236}">
-                <a16:creationId xmlns:a16="http://schemas.microsoft.com/office/drawing/2014/main" id="{B3486C30-9DC3-AE58-D7DC-B7D376CF7699}"/>
+                <a16:creationId xmlns:a16="http://schemas.microsoft.com/office/drawing/2014/main" id="{E53FA8B0-DC5D-029F-3161-6B92E6D6797C}"/>
               </a:ext>
             </a:extLst>
           </p:cNvPr>
@@ -290,7 +290,7 @@
           <p:cNvPr id="6" name="灯片编号占位符 5">
             <a:extLst>
               <a:ext uri="{FF2B5EF4-FFF2-40B4-BE49-F238E27FC236}">
-                <a16:creationId xmlns:a16="http://schemas.microsoft.com/office/drawing/2014/main" id="{FA8B105B-94C3-0E84-5070-E9C5891C7A70}"/>
+                <a16:creationId xmlns:a16="http://schemas.microsoft.com/office/drawing/2014/main" id="{684E9A90-DD79-467C-6AF2-C52FC79CBC3E}"/>
               </a:ext>
             </a:extLst>
           </p:cNvPr>
@@ -306,7 +306,7 @@
           <a:bodyPr/>
           <a:lstStyle/>
           <a:p>
-            <a:fld id="{725BE34B-4912-408A-BD30-703EF62AEAE9}" type="slidenum">
+            <a:fld id="{E2DD51B8-41EA-4CBB-A5C3-0ABD2C638427}" type="slidenum">
               <a:rPr lang="zh-CN" altLang="en-US" smtClean="0"/>
               <a:t>‹#›</a:t>
             </a:fld>
@@ -317,7 +317,7 @@
     </p:spTree>
     <p:extLst>
       <p:ext uri="{BB962C8B-B14F-4D97-AF65-F5344CB8AC3E}">
-        <p14:creationId xmlns:p14="http://schemas.microsoft.com/office/powerpoint/2010/main" val="1175641434"/>
+        <p14:creationId xmlns:p14="http://schemas.microsoft.com/office/powerpoint/2010/main" val="538713502"/>
       </p:ext>
     </p:extLst>
   </p:cSld>
@@ -349,7 +349,7 @@
           <p:cNvPr id="2" name="标题 1">
             <a:extLst>
               <a:ext uri="{FF2B5EF4-FFF2-40B4-BE49-F238E27FC236}">
-                <a16:creationId xmlns:a16="http://schemas.microsoft.com/office/drawing/2014/main" id="{638D4648-FC5B-DCC0-E3CC-AE1E81E46117}"/>
+                <a16:creationId xmlns:a16="http://schemas.microsoft.com/office/drawing/2014/main" id="{F5556D47-3B41-A5D7-4D97-2E153F49A84A}"/>
               </a:ext>
             </a:extLst>
           </p:cNvPr>
@@ -377,7 +377,7 @@
           <p:cNvPr id="3" name="竖排文字占位符 2">
             <a:extLst>
               <a:ext uri="{FF2B5EF4-FFF2-40B4-BE49-F238E27FC236}">
-                <a16:creationId xmlns:a16="http://schemas.microsoft.com/office/drawing/2014/main" id="{72F0F8A5-6C39-85F3-985B-D98A1886D55C}"/>
+                <a16:creationId xmlns:a16="http://schemas.microsoft.com/office/drawing/2014/main" id="{9339BEB0-DE06-8B12-EE06-0523582922C6}"/>
               </a:ext>
             </a:extLst>
           </p:cNvPr>
@@ -434,7 +434,7 @@
           <p:cNvPr id="4" name="日期占位符 3">
             <a:extLst>
               <a:ext uri="{FF2B5EF4-FFF2-40B4-BE49-F238E27FC236}">
-                <a16:creationId xmlns:a16="http://schemas.microsoft.com/office/drawing/2014/main" id="{FDA13249-4D9D-CD6B-0E02-2ACCE8A6EF67}"/>
+                <a16:creationId xmlns:a16="http://schemas.microsoft.com/office/drawing/2014/main" id="{F281073B-97DC-6547-3A58-CF7839EDCAB6}"/>
               </a:ext>
             </a:extLst>
           </p:cNvPr>
@@ -450,7 +450,7 @@
           <a:bodyPr/>
           <a:lstStyle/>
           <a:p>
-            <a:fld id="{30F3126F-472D-4613-B5D2-FCE1CFFE4973}" type="datetimeFigureOut">
+            <a:fld id="{A9ACB10A-663B-4F4A-A10C-E3833C9A87A6}" type="datetimeFigureOut">
               <a:rPr lang="zh-CN" altLang="en-US" smtClean="0"/>
               <a:t>2024/3/10</a:t>
             </a:fld>
@@ -463,7 +463,7 @@
           <p:cNvPr id="5" name="页脚占位符 4">
             <a:extLst>
               <a:ext uri="{FF2B5EF4-FFF2-40B4-BE49-F238E27FC236}">
-                <a16:creationId xmlns:a16="http://schemas.microsoft.com/office/drawing/2014/main" id="{AE229369-89BB-2378-42D5-49B9049A7476}"/>
+                <a16:creationId xmlns:a16="http://schemas.microsoft.com/office/drawing/2014/main" id="{734A4F2F-6398-1EB7-AF58-B7DCF9E33B78}"/>
               </a:ext>
             </a:extLst>
           </p:cNvPr>
@@ -488,7 +488,7 @@
           <p:cNvPr id="6" name="灯片编号占位符 5">
             <a:extLst>
               <a:ext uri="{FF2B5EF4-FFF2-40B4-BE49-F238E27FC236}">
-                <a16:creationId xmlns:a16="http://schemas.microsoft.com/office/drawing/2014/main" id="{ACE04A87-87FA-0326-25F1-510F5DF847C8}"/>
+                <a16:creationId xmlns:a16="http://schemas.microsoft.com/office/drawing/2014/main" id="{0D8A6034-50C8-0BE4-4C6C-9F96BCE17352}"/>
               </a:ext>
             </a:extLst>
           </p:cNvPr>
@@ -504,7 +504,7 @@
           <a:bodyPr/>
           <a:lstStyle/>
           <a:p>
-            <a:fld id="{725BE34B-4912-408A-BD30-703EF62AEAE9}" type="slidenum">
+            <a:fld id="{E2DD51B8-41EA-4CBB-A5C3-0ABD2C638427}" type="slidenum">
               <a:rPr lang="zh-CN" altLang="en-US" smtClean="0"/>
               <a:t>‹#›</a:t>
             </a:fld>
@@ -515,7 +515,7 @@
     </p:spTree>
     <p:extLst>
       <p:ext uri="{BB962C8B-B14F-4D97-AF65-F5344CB8AC3E}">
-        <p14:creationId xmlns:p14="http://schemas.microsoft.com/office/powerpoint/2010/main" val="2019824755"/>
+        <p14:creationId xmlns:p14="http://schemas.microsoft.com/office/powerpoint/2010/main" val="3224704243"/>
       </p:ext>
     </p:extLst>
   </p:cSld>
@@ -547,7 +547,7 @@
           <p:cNvPr id="2" name="竖排标题 1">
             <a:extLst>
               <a:ext uri="{FF2B5EF4-FFF2-40B4-BE49-F238E27FC236}">
-                <a16:creationId xmlns:a16="http://schemas.microsoft.com/office/drawing/2014/main" id="{9ECCA772-B4CA-FC42-3C9C-95F7E30A7A52}"/>
+                <a16:creationId xmlns:a16="http://schemas.microsoft.com/office/drawing/2014/main" id="{64839ABD-02DC-90DA-EEB0-5E88963ADDA9}"/>
               </a:ext>
             </a:extLst>
           </p:cNvPr>
@@ -580,7 +580,7 @@
           <p:cNvPr id="3" name="竖排文字占位符 2">
             <a:extLst>
               <a:ext uri="{FF2B5EF4-FFF2-40B4-BE49-F238E27FC236}">
-                <a16:creationId xmlns:a16="http://schemas.microsoft.com/office/drawing/2014/main" id="{751CD264-95EA-FF67-AA43-A0E956F49CFD}"/>
+                <a16:creationId xmlns:a16="http://schemas.microsoft.com/office/drawing/2014/main" id="{9EBA8007-1B5C-03D1-5197-F812AB60DF05}"/>
               </a:ext>
             </a:extLst>
           </p:cNvPr>
@@ -642,7 +642,7 @@
           <p:cNvPr id="4" name="日期占位符 3">
             <a:extLst>
               <a:ext uri="{FF2B5EF4-FFF2-40B4-BE49-F238E27FC236}">
-                <a16:creationId xmlns:a16="http://schemas.microsoft.com/office/drawing/2014/main" id="{0D8E5CF7-A2C3-0316-F73A-5EA994D196A1}"/>
+                <a16:creationId xmlns:a16="http://schemas.microsoft.com/office/drawing/2014/main" id="{58606DBF-DECA-D096-8D4A-3BFB99EB1101}"/>
               </a:ext>
             </a:extLst>
           </p:cNvPr>
@@ -658,7 +658,7 @@
           <a:bodyPr/>
           <a:lstStyle/>
           <a:p>
-            <a:fld id="{30F3126F-472D-4613-B5D2-FCE1CFFE4973}" type="datetimeFigureOut">
+            <a:fld id="{A9ACB10A-663B-4F4A-A10C-E3833C9A87A6}" type="datetimeFigureOut">
               <a:rPr lang="zh-CN" altLang="en-US" smtClean="0"/>
               <a:t>2024/3/10</a:t>
             </a:fld>
@@ -671,7 +671,7 @@
           <p:cNvPr id="5" name="页脚占位符 4">
             <a:extLst>
               <a:ext uri="{FF2B5EF4-FFF2-40B4-BE49-F238E27FC236}">
-                <a16:creationId xmlns:a16="http://schemas.microsoft.com/office/drawing/2014/main" id="{221CE4DC-DC67-20AB-9697-3C28CD5D584A}"/>
+                <a16:creationId xmlns:a16="http://schemas.microsoft.com/office/drawing/2014/main" id="{4AF01A6B-8D24-C2B1-C771-6EC48049BF37}"/>
               </a:ext>
             </a:extLst>
           </p:cNvPr>
@@ -696,7 +696,7 @@
           <p:cNvPr id="6" name="灯片编号占位符 5">
             <a:extLst>
               <a:ext uri="{FF2B5EF4-FFF2-40B4-BE49-F238E27FC236}">
-                <a16:creationId xmlns:a16="http://schemas.microsoft.com/office/drawing/2014/main" id="{B5A480DF-FDBC-5EA5-CFD4-53F32BCE8C06}"/>
+                <a16:creationId xmlns:a16="http://schemas.microsoft.com/office/drawing/2014/main" id="{C8CEE612-21CB-DFEB-23B5-75B8AFD10765}"/>
               </a:ext>
             </a:extLst>
           </p:cNvPr>
@@ -712,7 +712,7 @@
           <a:bodyPr/>
           <a:lstStyle/>
           <a:p>
-            <a:fld id="{725BE34B-4912-408A-BD30-703EF62AEAE9}" type="slidenum">
+            <a:fld id="{E2DD51B8-41EA-4CBB-A5C3-0ABD2C638427}" type="slidenum">
               <a:rPr lang="zh-CN" altLang="en-US" smtClean="0"/>
               <a:t>‹#›</a:t>
             </a:fld>
@@ -723,7 +723,7 @@
     </p:spTree>
     <p:extLst>
       <p:ext uri="{BB962C8B-B14F-4D97-AF65-F5344CB8AC3E}">
-        <p14:creationId xmlns:p14="http://schemas.microsoft.com/office/powerpoint/2010/main" val="2508517643"/>
+        <p14:creationId xmlns:p14="http://schemas.microsoft.com/office/powerpoint/2010/main" val="2014794854"/>
       </p:ext>
     </p:extLst>
   </p:cSld>
@@ -755,7 +755,7 @@
           <p:cNvPr id="2" name="标题 1">
             <a:extLst>
               <a:ext uri="{FF2B5EF4-FFF2-40B4-BE49-F238E27FC236}">
-                <a16:creationId xmlns:a16="http://schemas.microsoft.com/office/drawing/2014/main" id="{52F66BD4-F503-B006-7CC6-EE2212712C0E}"/>
+                <a16:creationId xmlns:a16="http://schemas.microsoft.com/office/drawing/2014/main" id="{887AF426-E33C-FDA4-24F1-01DC59628942}"/>
               </a:ext>
             </a:extLst>
           </p:cNvPr>
@@ -783,7 +783,7 @@
           <p:cNvPr id="3" name="内容占位符 2">
             <a:extLst>
               <a:ext uri="{FF2B5EF4-FFF2-40B4-BE49-F238E27FC236}">
-                <a16:creationId xmlns:a16="http://schemas.microsoft.com/office/drawing/2014/main" id="{A0E4219E-14BF-AEAA-C886-06F2B11121B2}"/>
+                <a16:creationId xmlns:a16="http://schemas.microsoft.com/office/drawing/2014/main" id="{185012E1-0A57-B791-DD2A-E755B40BE11D}"/>
               </a:ext>
             </a:extLst>
           </p:cNvPr>
@@ -840,7 +840,7 @@
           <p:cNvPr id="4" name="日期占位符 3">
             <a:extLst>
               <a:ext uri="{FF2B5EF4-FFF2-40B4-BE49-F238E27FC236}">
-                <a16:creationId xmlns:a16="http://schemas.microsoft.com/office/drawing/2014/main" id="{40B82181-817B-70C3-3085-4DB8B61E6417}"/>
+                <a16:creationId xmlns:a16="http://schemas.microsoft.com/office/drawing/2014/main" id="{BA46CB2B-9B29-966E-5E5B-A72D154EDEB3}"/>
               </a:ext>
             </a:extLst>
           </p:cNvPr>
@@ -856,7 +856,7 @@
           <a:bodyPr/>
           <a:lstStyle/>
           <a:p>
-            <a:fld id="{30F3126F-472D-4613-B5D2-FCE1CFFE4973}" type="datetimeFigureOut">
+            <a:fld id="{A9ACB10A-663B-4F4A-A10C-E3833C9A87A6}" type="datetimeFigureOut">
               <a:rPr lang="zh-CN" altLang="en-US" smtClean="0"/>
               <a:t>2024/3/10</a:t>
             </a:fld>
@@ -869,7 +869,7 @@
           <p:cNvPr id="5" name="页脚占位符 4">
             <a:extLst>
               <a:ext uri="{FF2B5EF4-FFF2-40B4-BE49-F238E27FC236}">
-                <a16:creationId xmlns:a16="http://schemas.microsoft.com/office/drawing/2014/main" id="{062BED23-9B7D-EEBB-2F31-C47A3EAC223C}"/>
+                <a16:creationId xmlns:a16="http://schemas.microsoft.com/office/drawing/2014/main" id="{A153E712-84B4-8B51-9E10-344682BE4EF5}"/>
               </a:ext>
             </a:extLst>
           </p:cNvPr>
@@ -894,7 +894,7 @@
           <p:cNvPr id="6" name="灯片编号占位符 5">
             <a:extLst>
               <a:ext uri="{FF2B5EF4-FFF2-40B4-BE49-F238E27FC236}">
-                <a16:creationId xmlns:a16="http://schemas.microsoft.com/office/drawing/2014/main" id="{EA4486FA-6338-99B8-A119-599278C12B18}"/>
+                <a16:creationId xmlns:a16="http://schemas.microsoft.com/office/drawing/2014/main" id="{3718445D-D550-7E8E-8DD8-4A3E80FEA6DB}"/>
               </a:ext>
             </a:extLst>
           </p:cNvPr>
@@ -910,7 +910,7 @@
           <a:bodyPr/>
           <a:lstStyle/>
           <a:p>
-            <a:fld id="{725BE34B-4912-408A-BD30-703EF62AEAE9}" type="slidenum">
+            <a:fld id="{E2DD51B8-41EA-4CBB-A5C3-0ABD2C638427}" type="slidenum">
               <a:rPr lang="zh-CN" altLang="en-US" smtClean="0"/>
               <a:t>‹#›</a:t>
             </a:fld>
@@ -921,7 +921,7 @@
     </p:spTree>
     <p:extLst>
       <p:ext uri="{BB962C8B-B14F-4D97-AF65-F5344CB8AC3E}">
-        <p14:creationId xmlns:p14="http://schemas.microsoft.com/office/powerpoint/2010/main" val="3238659045"/>
+        <p14:creationId xmlns:p14="http://schemas.microsoft.com/office/powerpoint/2010/main" val="111192813"/>
       </p:ext>
     </p:extLst>
   </p:cSld>
@@ -953,7 +953,7 @@
           <p:cNvPr id="2" name="标题 1">
             <a:extLst>
               <a:ext uri="{FF2B5EF4-FFF2-40B4-BE49-F238E27FC236}">
-                <a16:creationId xmlns:a16="http://schemas.microsoft.com/office/drawing/2014/main" id="{B1712BC6-D651-7802-D4F5-FBD87DC21C2B}"/>
+                <a16:creationId xmlns:a16="http://schemas.microsoft.com/office/drawing/2014/main" id="{1C7A4CF5-4B6A-3196-4A24-1C20D1536B34}"/>
               </a:ext>
             </a:extLst>
           </p:cNvPr>
@@ -990,7 +990,7 @@
           <p:cNvPr id="3" name="文本占位符 2">
             <a:extLst>
               <a:ext uri="{FF2B5EF4-FFF2-40B4-BE49-F238E27FC236}">
-                <a16:creationId xmlns:a16="http://schemas.microsoft.com/office/drawing/2014/main" id="{2F6B4889-E1EE-86E4-DEB1-5040E0987A2F}"/>
+                <a16:creationId xmlns:a16="http://schemas.microsoft.com/office/drawing/2014/main" id="{4E8DE537-D349-9142-851A-36A4B782BD57}"/>
               </a:ext>
             </a:extLst>
           </p:cNvPr>
@@ -1115,7 +1115,7 @@
           <p:cNvPr id="4" name="日期占位符 3">
             <a:extLst>
               <a:ext uri="{FF2B5EF4-FFF2-40B4-BE49-F238E27FC236}">
-                <a16:creationId xmlns:a16="http://schemas.microsoft.com/office/drawing/2014/main" id="{375BC393-E128-B894-3B87-B29BB8BE34E5}"/>
+                <a16:creationId xmlns:a16="http://schemas.microsoft.com/office/drawing/2014/main" id="{99A478DE-5B28-7805-5CE9-E4E4D486DD18}"/>
               </a:ext>
             </a:extLst>
           </p:cNvPr>
@@ -1131,7 +1131,7 @@
           <a:bodyPr/>
           <a:lstStyle/>
           <a:p>
-            <a:fld id="{30F3126F-472D-4613-B5D2-FCE1CFFE4973}" type="datetimeFigureOut">
+            <a:fld id="{A9ACB10A-663B-4F4A-A10C-E3833C9A87A6}" type="datetimeFigureOut">
               <a:rPr lang="zh-CN" altLang="en-US" smtClean="0"/>
               <a:t>2024/3/10</a:t>
             </a:fld>
@@ -1144,7 +1144,7 @@
           <p:cNvPr id="5" name="页脚占位符 4">
             <a:extLst>
               <a:ext uri="{FF2B5EF4-FFF2-40B4-BE49-F238E27FC236}">
-                <a16:creationId xmlns:a16="http://schemas.microsoft.com/office/drawing/2014/main" id="{C17A9298-F92D-2689-53FD-A9FEA0B3A521}"/>
+                <a16:creationId xmlns:a16="http://schemas.microsoft.com/office/drawing/2014/main" id="{8EDDB733-581B-3910-9AB8-D89BAE5B8893}"/>
               </a:ext>
             </a:extLst>
           </p:cNvPr>
@@ -1169,7 +1169,7 @@
           <p:cNvPr id="6" name="灯片编号占位符 5">
             <a:extLst>
               <a:ext uri="{FF2B5EF4-FFF2-40B4-BE49-F238E27FC236}">
-                <a16:creationId xmlns:a16="http://schemas.microsoft.com/office/drawing/2014/main" id="{34E5CA4F-A8C3-54EF-8CE1-0AB0B6973BDF}"/>
+                <a16:creationId xmlns:a16="http://schemas.microsoft.com/office/drawing/2014/main" id="{3953ABA6-6B33-7B12-E80C-52CE70082D36}"/>
               </a:ext>
             </a:extLst>
           </p:cNvPr>
@@ -1185,7 +1185,7 @@
           <a:bodyPr/>
           <a:lstStyle/>
           <a:p>
-            <a:fld id="{725BE34B-4912-408A-BD30-703EF62AEAE9}" type="slidenum">
+            <a:fld id="{E2DD51B8-41EA-4CBB-A5C3-0ABD2C638427}" type="slidenum">
               <a:rPr lang="zh-CN" altLang="en-US" smtClean="0"/>
               <a:t>‹#›</a:t>
             </a:fld>
@@ -1196,7 +1196,7 @@
     </p:spTree>
     <p:extLst>
       <p:ext uri="{BB962C8B-B14F-4D97-AF65-F5344CB8AC3E}">
-        <p14:creationId xmlns:p14="http://schemas.microsoft.com/office/powerpoint/2010/main" val="3220245456"/>
+        <p14:creationId xmlns:p14="http://schemas.microsoft.com/office/powerpoint/2010/main" val="2692201902"/>
       </p:ext>
     </p:extLst>
   </p:cSld>
@@ -1228,7 +1228,7 @@
           <p:cNvPr id="2" name="标题 1">
             <a:extLst>
               <a:ext uri="{FF2B5EF4-FFF2-40B4-BE49-F238E27FC236}">
-                <a16:creationId xmlns:a16="http://schemas.microsoft.com/office/drawing/2014/main" id="{E8EB6A05-2E86-49FF-F10F-48E92C869305}"/>
+                <a16:creationId xmlns:a16="http://schemas.microsoft.com/office/drawing/2014/main" id="{878B8605-70B9-D524-8DF0-00AE49E3550B}"/>
               </a:ext>
             </a:extLst>
           </p:cNvPr>
@@ -1256,7 +1256,7 @@
           <p:cNvPr id="3" name="内容占位符 2">
             <a:extLst>
               <a:ext uri="{FF2B5EF4-FFF2-40B4-BE49-F238E27FC236}">
-                <a16:creationId xmlns:a16="http://schemas.microsoft.com/office/drawing/2014/main" id="{A0FE1A80-E259-8261-1155-EE0680D5B329}"/>
+                <a16:creationId xmlns:a16="http://schemas.microsoft.com/office/drawing/2014/main" id="{1BE4A95E-7040-32F4-E441-07765461AF60}"/>
               </a:ext>
             </a:extLst>
           </p:cNvPr>
@@ -1318,7 +1318,7 @@
           <p:cNvPr id="4" name="内容占位符 3">
             <a:extLst>
               <a:ext uri="{FF2B5EF4-FFF2-40B4-BE49-F238E27FC236}">
-                <a16:creationId xmlns:a16="http://schemas.microsoft.com/office/drawing/2014/main" id="{262641A6-8C6E-E1DC-0D17-DC72EE081E7E}"/>
+                <a16:creationId xmlns:a16="http://schemas.microsoft.com/office/drawing/2014/main" id="{9276C7F6-F71D-ABD7-DD3A-DD4413EFACBA}"/>
               </a:ext>
             </a:extLst>
           </p:cNvPr>
@@ -1380,7 +1380,7 @@
           <p:cNvPr id="5" name="日期占位符 4">
             <a:extLst>
               <a:ext uri="{FF2B5EF4-FFF2-40B4-BE49-F238E27FC236}">
-                <a16:creationId xmlns:a16="http://schemas.microsoft.com/office/drawing/2014/main" id="{AC849FA8-1FF2-F6A7-65B9-A89877105590}"/>
+                <a16:creationId xmlns:a16="http://schemas.microsoft.com/office/drawing/2014/main" id="{530F88F8-720F-ECA2-DE55-774B6FE68F64}"/>
               </a:ext>
             </a:extLst>
           </p:cNvPr>
@@ -1396,7 +1396,7 @@
           <a:bodyPr/>
           <a:lstStyle/>
           <a:p>
-            <a:fld id="{30F3126F-472D-4613-B5D2-FCE1CFFE4973}" type="datetimeFigureOut">
+            <a:fld id="{A9ACB10A-663B-4F4A-A10C-E3833C9A87A6}" type="datetimeFigureOut">
               <a:rPr lang="zh-CN" altLang="en-US" smtClean="0"/>
               <a:t>2024/3/10</a:t>
             </a:fld>
@@ -1409,7 +1409,7 @@
           <p:cNvPr id="6" name="页脚占位符 5">
             <a:extLst>
               <a:ext uri="{FF2B5EF4-FFF2-40B4-BE49-F238E27FC236}">
-                <a16:creationId xmlns:a16="http://schemas.microsoft.com/office/drawing/2014/main" id="{1A7F7718-C3AA-8E17-8EEB-1586DF33DD4C}"/>
+                <a16:creationId xmlns:a16="http://schemas.microsoft.com/office/drawing/2014/main" id="{37D877A1-EAF3-A321-2B73-F122F871855F}"/>
               </a:ext>
             </a:extLst>
           </p:cNvPr>
@@ -1434,7 +1434,7 @@
           <p:cNvPr id="7" name="灯片编号占位符 6">
             <a:extLst>
               <a:ext uri="{FF2B5EF4-FFF2-40B4-BE49-F238E27FC236}">
-                <a16:creationId xmlns:a16="http://schemas.microsoft.com/office/drawing/2014/main" id="{C824E5FA-A48D-978B-E90E-430062E7731C}"/>
+                <a16:creationId xmlns:a16="http://schemas.microsoft.com/office/drawing/2014/main" id="{838F94A5-9A8F-1A6A-08E2-B494AF913317}"/>
               </a:ext>
             </a:extLst>
           </p:cNvPr>
@@ -1450,7 +1450,7 @@
           <a:bodyPr/>
           <a:lstStyle/>
           <a:p>
-            <a:fld id="{725BE34B-4912-408A-BD30-703EF62AEAE9}" type="slidenum">
+            <a:fld id="{E2DD51B8-41EA-4CBB-A5C3-0ABD2C638427}" type="slidenum">
               <a:rPr lang="zh-CN" altLang="en-US" smtClean="0"/>
               <a:t>‹#›</a:t>
             </a:fld>
@@ -1461,7 +1461,7 @@
     </p:spTree>
     <p:extLst>
       <p:ext uri="{BB962C8B-B14F-4D97-AF65-F5344CB8AC3E}">
-        <p14:creationId xmlns:p14="http://schemas.microsoft.com/office/powerpoint/2010/main" val="551216853"/>
+        <p14:creationId xmlns:p14="http://schemas.microsoft.com/office/powerpoint/2010/main" val="1983385826"/>
       </p:ext>
     </p:extLst>
   </p:cSld>
@@ -1493,7 +1493,7 @@
           <p:cNvPr id="2" name="标题 1">
             <a:extLst>
               <a:ext uri="{FF2B5EF4-FFF2-40B4-BE49-F238E27FC236}">
-                <a16:creationId xmlns:a16="http://schemas.microsoft.com/office/drawing/2014/main" id="{4551CA8D-EBC5-631B-2F2B-E2B8700911AC}"/>
+                <a16:creationId xmlns:a16="http://schemas.microsoft.com/office/drawing/2014/main" id="{8E15DBB9-262D-8B3F-96DF-87B56CF8A64A}"/>
               </a:ext>
             </a:extLst>
           </p:cNvPr>
@@ -1526,7 +1526,7 @@
           <p:cNvPr id="3" name="文本占位符 2">
             <a:extLst>
               <a:ext uri="{FF2B5EF4-FFF2-40B4-BE49-F238E27FC236}">
-                <a16:creationId xmlns:a16="http://schemas.microsoft.com/office/drawing/2014/main" id="{00AC44C3-F579-9EDC-2CE3-5B855AC2F6E5}"/>
+                <a16:creationId xmlns:a16="http://schemas.microsoft.com/office/drawing/2014/main" id="{D9F7B15E-81FF-8580-6199-F114AD18A46D}"/>
               </a:ext>
             </a:extLst>
           </p:cNvPr>
@@ -1597,7 +1597,7 @@
           <p:cNvPr id="4" name="内容占位符 3">
             <a:extLst>
               <a:ext uri="{FF2B5EF4-FFF2-40B4-BE49-F238E27FC236}">
-                <a16:creationId xmlns:a16="http://schemas.microsoft.com/office/drawing/2014/main" id="{03DD5C4F-F8A4-E917-7A4D-F1730BD9CEF5}"/>
+                <a16:creationId xmlns:a16="http://schemas.microsoft.com/office/drawing/2014/main" id="{27C2BAF7-4DF4-2A20-F36E-AA111E10E6A6}"/>
               </a:ext>
             </a:extLst>
           </p:cNvPr>
@@ -1659,7 +1659,7 @@
           <p:cNvPr id="5" name="文本占位符 4">
             <a:extLst>
               <a:ext uri="{FF2B5EF4-FFF2-40B4-BE49-F238E27FC236}">
-                <a16:creationId xmlns:a16="http://schemas.microsoft.com/office/drawing/2014/main" id="{16A297D6-2D8A-BD93-3C9E-D24A8A9E6E03}"/>
+                <a16:creationId xmlns:a16="http://schemas.microsoft.com/office/drawing/2014/main" id="{A92EB284-DAAE-644F-946E-89CF9447D4F2}"/>
               </a:ext>
             </a:extLst>
           </p:cNvPr>
@@ -1730,7 +1730,7 @@
           <p:cNvPr id="6" name="内容占位符 5">
             <a:extLst>
               <a:ext uri="{FF2B5EF4-FFF2-40B4-BE49-F238E27FC236}">
-                <a16:creationId xmlns:a16="http://schemas.microsoft.com/office/drawing/2014/main" id="{067EE46C-AFBE-10E3-87EA-7C2020965E8E}"/>
+                <a16:creationId xmlns:a16="http://schemas.microsoft.com/office/drawing/2014/main" id="{AB5E2B08-76A2-169E-EA0B-676688CFF06E}"/>
               </a:ext>
             </a:extLst>
           </p:cNvPr>
@@ -1792,7 +1792,7 @@
           <p:cNvPr id="7" name="日期占位符 6">
             <a:extLst>
               <a:ext uri="{FF2B5EF4-FFF2-40B4-BE49-F238E27FC236}">
-                <a16:creationId xmlns:a16="http://schemas.microsoft.com/office/drawing/2014/main" id="{91461BEE-91E5-94E8-5546-383F0A08F22D}"/>
+                <a16:creationId xmlns:a16="http://schemas.microsoft.com/office/drawing/2014/main" id="{743D6068-342D-F855-5BF0-3DA365A55F69}"/>
               </a:ext>
             </a:extLst>
           </p:cNvPr>
@@ -1808,7 +1808,7 @@
           <a:bodyPr/>
           <a:lstStyle/>
           <a:p>
-            <a:fld id="{30F3126F-472D-4613-B5D2-FCE1CFFE4973}" type="datetimeFigureOut">
+            <a:fld id="{A9ACB10A-663B-4F4A-A10C-E3833C9A87A6}" type="datetimeFigureOut">
               <a:rPr lang="zh-CN" altLang="en-US" smtClean="0"/>
               <a:t>2024/3/10</a:t>
             </a:fld>
@@ -1821,7 +1821,7 @@
           <p:cNvPr id="8" name="页脚占位符 7">
             <a:extLst>
               <a:ext uri="{FF2B5EF4-FFF2-40B4-BE49-F238E27FC236}">
-                <a16:creationId xmlns:a16="http://schemas.microsoft.com/office/drawing/2014/main" id="{3D743878-9E68-75F3-1C1B-8A53ED224BC1}"/>
+                <a16:creationId xmlns:a16="http://schemas.microsoft.com/office/drawing/2014/main" id="{A2C881EF-C93F-955B-ADF7-AE9AE54C280D}"/>
               </a:ext>
             </a:extLst>
           </p:cNvPr>
@@ -1846,7 +1846,7 @@
           <p:cNvPr id="9" name="灯片编号占位符 8">
             <a:extLst>
               <a:ext uri="{FF2B5EF4-FFF2-40B4-BE49-F238E27FC236}">
-                <a16:creationId xmlns:a16="http://schemas.microsoft.com/office/drawing/2014/main" id="{14872A48-5EE0-81F9-1905-DB1C90A95BAD}"/>
+                <a16:creationId xmlns:a16="http://schemas.microsoft.com/office/drawing/2014/main" id="{D024A783-FF89-D7AB-63C1-08E1A4950779}"/>
               </a:ext>
             </a:extLst>
           </p:cNvPr>
@@ -1862,7 +1862,7 @@
           <a:bodyPr/>
           <a:lstStyle/>
           <a:p>
-            <a:fld id="{725BE34B-4912-408A-BD30-703EF62AEAE9}" type="slidenum">
+            <a:fld id="{E2DD51B8-41EA-4CBB-A5C3-0ABD2C638427}" type="slidenum">
               <a:rPr lang="zh-CN" altLang="en-US" smtClean="0"/>
               <a:t>‹#›</a:t>
             </a:fld>
@@ -1873,7 +1873,7 @@
     </p:spTree>
     <p:extLst>
       <p:ext uri="{BB962C8B-B14F-4D97-AF65-F5344CB8AC3E}">
-        <p14:creationId xmlns:p14="http://schemas.microsoft.com/office/powerpoint/2010/main" val="838599749"/>
+        <p14:creationId xmlns:p14="http://schemas.microsoft.com/office/powerpoint/2010/main" val="4162537758"/>
       </p:ext>
     </p:extLst>
   </p:cSld>
@@ -1905,7 +1905,7 @@
           <p:cNvPr id="2" name="标题 1">
             <a:extLst>
               <a:ext uri="{FF2B5EF4-FFF2-40B4-BE49-F238E27FC236}">
-                <a16:creationId xmlns:a16="http://schemas.microsoft.com/office/drawing/2014/main" id="{D5714D83-6E53-8020-E875-5E9CF12B1B8C}"/>
+                <a16:creationId xmlns:a16="http://schemas.microsoft.com/office/drawing/2014/main" id="{7F607DAA-00E4-62C1-2E05-1BDC07E3A481}"/>
               </a:ext>
             </a:extLst>
           </p:cNvPr>
@@ -1933,7 +1933,7 @@
           <p:cNvPr id="3" name="日期占位符 2">
             <a:extLst>
               <a:ext uri="{FF2B5EF4-FFF2-40B4-BE49-F238E27FC236}">
-                <a16:creationId xmlns:a16="http://schemas.microsoft.com/office/drawing/2014/main" id="{1AF07C2A-6333-020E-687A-EB5EE1A0F024}"/>
+                <a16:creationId xmlns:a16="http://schemas.microsoft.com/office/drawing/2014/main" id="{9F9D6D2D-D1B2-7ADC-178A-C021441C65F3}"/>
               </a:ext>
             </a:extLst>
           </p:cNvPr>
@@ -1949,7 +1949,7 @@
           <a:bodyPr/>
           <a:lstStyle/>
           <a:p>
-            <a:fld id="{30F3126F-472D-4613-B5D2-FCE1CFFE4973}" type="datetimeFigureOut">
+            <a:fld id="{A9ACB10A-663B-4F4A-A10C-E3833C9A87A6}" type="datetimeFigureOut">
               <a:rPr lang="zh-CN" altLang="en-US" smtClean="0"/>
               <a:t>2024/3/10</a:t>
             </a:fld>
@@ -1962,7 +1962,7 @@
           <p:cNvPr id="4" name="页脚占位符 3">
             <a:extLst>
               <a:ext uri="{FF2B5EF4-FFF2-40B4-BE49-F238E27FC236}">
-                <a16:creationId xmlns:a16="http://schemas.microsoft.com/office/drawing/2014/main" id="{6F4752B5-00BC-8C8D-EAE8-792F6F0F7D48}"/>
+                <a16:creationId xmlns:a16="http://schemas.microsoft.com/office/drawing/2014/main" id="{26F2B05D-1000-6A14-C729-AE6C2622CF8C}"/>
               </a:ext>
             </a:extLst>
           </p:cNvPr>
@@ -1987,7 +1987,7 @@
           <p:cNvPr id="5" name="灯片编号占位符 4">
             <a:extLst>
               <a:ext uri="{FF2B5EF4-FFF2-40B4-BE49-F238E27FC236}">
-                <a16:creationId xmlns:a16="http://schemas.microsoft.com/office/drawing/2014/main" id="{11FA3C9D-EFBE-D101-2114-2CBAC0C3CDAD}"/>
+                <a16:creationId xmlns:a16="http://schemas.microsoft.com/office/drawing/2014/main" id="{50A5B570-4BB7-BC56-601E-47780819D924}"/>
               </a:ext>
             </a:extLst>
           </p:cNvPr>
@@ -2003,7 +2003,7 @@
           <a:bodyPr/>
           <a:lstStyle/>
           <a:p>
-            <a:fld id="{725BE34B-4912-408A-BD30-703EF62AEAE9}" type="slidenum">
+            <a:fld id="{E2DD51B8-41EA-4CBB-A5C3-0ABD2C638427}" type="slidenum">
               <a:rPr lang="zh-CN" altLang="en-US" smtClean="0"/>
               <a:t>‹#›</a:t>
             </a:fld>
@@ -2014,7 +2014,7 @@
     </p:spTree>
     <p:extLst>
       <p:ext uri="{BB962C8B-B14F-4D97-AF65-F5344CB8AC3E}">
-        <p14:creationId xmlns:p14="http://schemas.microsoft.com/office/powerpoint/2010/main" val="3492352534"/>
+        <p14:creationId xmlns:p14="http://schemas.microsoft.com/office/powerpoint/2010/main" val="1565228064"/>
       </p:ext>
     </p:extLst>
   </p:cSld>
@@ -2046,7 +2046,7 @@
           <p:cNvPr id="2" name="日期占位符 1">
             <a:extLst>
               <a:ext uri="{FF2B5EF4-FFF2-40B4-BE49-F238E27FC236}">
-                <a16:creationId xmlns:a16="http://schemas.microsoft.com/office/drawing/2014/main" id="{D437E20A-D3F2-3C9E-5B05-1B26C53475C7}"/>
+                <a16:creationId xmlns:a16="http://schemas.microsoft.com/office/drawing/2014/main" id="{B9D1BF0C-8CBC-66D5-E009-2916B01DE2B4}"/>
               </a:ext>
             </a:extLst>
           </p:cNvPr>
@@ -2062,7 +2062,7 @@
           <a:bodyPr/>
           <a:lstStyle/>
           <a:p>
-            <a:fld id="{30F3126F-472D-4613-B5D2-FCE1CFFE4973}" type="datetimeFigureOut">
+            <a:fld id="{A9ACB10A-663B-4F4A-A10C-E3833C9A87A6}" type="datetimeFigureOut">
               <a:rPr lang="zh-CN" altLang="en-US" smtClean="0"/>
               <a:t>2024/3/10</a:t>
             </a:fld>
@@ -2075,7 +2075,7 @@
           <p:cNvPr id="3" name="页脚占位符 2">
             <a:extLst>
               <a:ext uri="{FF2B5EF4-FFF2-40B4-BE49-F238E27FC236}">
-                <a16:creationId xmlns:a16="http://schemas.microsoft.com/office/drawing/2014/main" id="{83C14B5D-95C8-6ED8-6FE5-323FAD2F91FD}"/>
+                <a16:creationId xmlns:a16="http://schemas.microsoft.com/office/drawing/2014/main" id="{83F93AB4-E9A1-6332-3993-B97679087CAB}"/>
               </a:ext>
             </a:extLst>
           </p:cNvPr>
@@ -2100,7 +2100,7 @@
           <p:cNvPr id="4" name="灯片编号占位符 3">
             <a:extLst>
               <a:ext uri="{FF2B5EF4-FFF2-40B4-BE49-F238E27FC236}">
-                <a16:creationId xmlns:a16="http://schemas.microsoft.com/office/drawing/2014/main" id="{311E3744-8CA9-86C1-BD5D-030B99606FAB}"/>
+                <a16:creationId xmlns:a16="http://schemas.microsoft.com/office/drawing/2014/main" id="{C3451EFE-BD56-1FBC-68C7-1EE5D66CB2FB}"/>
               </a:ext>
             </a:extLst>
           </p:cNvPr>
@@ -2116,7 +2116,7 @@
           <a:bodyPr/>
           <a:lstStyle/>
           <a:p>
-            <a:fld id="{725BE34B-4912-408A-BD30-703EF62AEAE9}" type="slidenum">
+            <a:fld id="{E2DD51B8-41EA-4CBB-A5C3-0ABD2C638427}" type="slidenum">
               <a:rPr lang="zh-CN" altLang="en-US" smtClean="0"/>
               <a:t>‹#›</a:t>
             </a:fld>
@@ -2127,7 +2127,7 @@
     </p:spTree>
     <p:extLst>
       <p:ext uri="{BB962C8B-B14F-4D97-AF65-F5344CB8AC3E}">
-        <p14:creationId xmlns:p14="http://schemas.microsoft.com/office/powerpoint/2010/main" val="1197683229"/>
+        <p14:creationId xmlns:p14="http://schemas.microsoft.com/office/powerpoint/2010/main" val="465297844"/>
       </p:ext>
     </p:extLst>
   </p:cSld>
@@ -2159,7 +2159,7 @@
           <p:cNvPr id="2" name="标题 1">
             <a:extLst>
               <a:ext uri="{FF2B5EF4-FFF2-40B4-BE49-F238E27FC236}">
-                <a16:creationId xmlns:a16="http://schemas.microsoft.com/office/drawing/2014/main" id="{210208E2-1D69-985A-5538-E62C982638FA}"/>
+                <a16:creationId xmlns:a16="http://schemas.microsoft.com/office/drawing/2014/main" id="{3A9D39C0-B87F-7A95-4915-92C5787256C3}"/>
               </a:ext>
             </a:extLst>
           </p:cNvPr>
@@ -2196,7 +2196,7 @@
           <p:cNvPr id="3" name="内容占位符 2">
             <a:extLst>
               <a:ext uri="{FF2B5EF4-FFF2-40B4-BE49-F238E27FC236}">
-                <a16:creationId xmlns:a16="http://schemas.microsoft.com/office/drawing/2014/main" id="{5A3A4C2E-98C3-209A-728A-AB3785B11E98}"/>
+                <a16:creationId xmlns:a16="http://schemas.microsoft.com/office/drawing/2014/main" id="{0E4405C4-364F-52C5-FE5B-751D3A944846}"/>
               </a:ext>
             </a:extLst>
           </p:cNvPr>
@@ -2286,7 +2286,7 @@
           <p:cNvPr id="4" name="文本占位符 3">
             <a:extLst>
               <a:ext uri="{FF2B5EF4-FFF2-40B4-BE49-F238E27FC236}">
-                <a16:creationId xmlns:a16="http://schemas.microsoft.com/office/drawing/2014/main" id="{54D194F3-5FE0-149D-3A2A-9088376A17C5}"/>
+                <a16:creationId xmlns:a16="http://schemas.microsoft.com/office/drawing/2014/main" id="{D061FBDF-346F-7CA1-119B-2A0C51473B47}"/>
               </a:ext>
             </a:extLst>
           </p:cNvPr>
@@ -2357,7 +2357,7 @@
           <p:cNvPr id="5" name="日期占位符 4">
             <a:extLst>
               <a:ext uri="{FF2B5EF4-FFF2-40B4-BE49-F238E27FC236}">
-                <a16:creationId xmlns:a16="http://schemas.microsoft.com/office/drawing/2014/main" id="{D09C9F4B-10A5-3D18-F727-77A0F55CEA2B}"/>
+                <a16:creationId xmlns:a16="http://schemas.microsoft.com/office/drawing/2014/main" id="{AFA9AC7E-6258-0014-2E80-EEA8ED85C18A}"/>
               </a:ext>
             </a:extLst>
           </p:cNvPr>
@@ -2373,7 +2373,7 @@
           <a:bodyPr/>
           <a:lstStyle/>
           <a:p>
-            <a:fld id="{30F3126F-472D-4613-B5D2-FCE1CFFE4973}" type="datetimeFigureOut">
+            <a:fld id="{A9ACB10A-663B-4F4A-A10C-E3833C9A87A6}" type="datetimeFigureOut">
               <a:rPr lang="zh-CN" altLang="en-US" smtClean="0"/>
               <a:t>2024/3/10</a:t>
             </a:fld>
@@ -2386,7 +2386,7 @@
           <p:cNvPr id="6" name="页脚占位符 5">
             <a:extLst>
               <a:ext uri="{FF2B5EF4-FFF2-40B4-BE49-F238E27FC236}">
-                <a16:creationId xmlns:a16="http://schemas.microsoft.com/office/drawing/2014/main" id="{30A518D2-11F9-F31B-1327-27CBE42B0498}"/>
+                <a16:creationId xmlns:a16="http://schemas.microsoft.com/office/drawing/2014/main" id="{A15C71A6-84EE-F8FC-7562-1127CAE28B73}"/>
               </a:ext>
             </a:extLst>
           </p:cNvPr>
@@ -2411,7 +2411,7 @@
           <p:cNvPr id="7" name="灯片编号占位符 6">
             <a:extLst>
               <a:ext uri="{FF2B5EF4-FFF2-40B4-BE49-F238E27FC236}">
-                <a16:creationId xmlns:a16="http://schemas.microsoft.com/office/drawing/2014/main" id="{470D0165-46E8-00C9-4D5B-B1E0709C5B19}"/>
+                <a16:creationId xmlns:a16="http://schemas.microsoft.com/office/drawing/2014/main" id="{B730E3E2-67A5-31AC-1C45-288048F73F8E}"/>
               </a:ext>
             </a:extLst>
           </p:cNvPr>
@@ -2427,7 +2427,7 @@
           <a:bodyPr/>
           <a:lstStyle/>
           <a:p>
-            <a:fld id="{725BE34B-4912-408A-BD30-703EF62AEAE9}" type="slidenum">
+            <a:fld id="{E2DD51B8-41EA-4CBB-A5C3-0ABD2C638427}" type="slidenum">
               <a:rPr lang="zh-CN" altLang="en-US" smtClean="0"/>
               <a:t>‹#›</a:t>
             </a:fld>
@@ -2438,7 +2438,7 @@
     </p:spTree>
     <p:extLst>
       <p:ext uri="{BB962C8B-B14F-4D97-AF65-F5344CB8AC3E}">
-        <p14:creationId xmlns:p14="http://schemas.microsoft.com/office/powerpoint/2010/main" val="655677015"/>
+        <p14:creationId xmlns:p14="http://schemas.microsoft.com/office/powerpoint/2010/main" val="2895104296"/>
       </p:ext>
     </p:extLst>
   </p:cSld>
@@ -2470,7 +2470,7 @@
           <p:cNvPr id="2" name="标题 1">
             <a:extLst>
               <a:ext uri="{FF2B5EF4-FFF2-40B4-BE49-F238E27FC236}">
-                <a16:creationId xmlns:a16="http://schemas.microsoft.com/office/drawing/2014/main" id="{15F11640-3798-C7E8-1190-5DE44D4502B0}"/>
+                <a16:creationId xmlns:a16="http://schemas.microsoft.com/office/drawing/2014/main" id="{862E61F7-6B45-05D9-5358-0C39B456609E}"/>
               </a:ext>
             </a:extLst>
           </p:cNvPr>
@@ -2507,7 +2507,7 @@
           <p:cNvPr id="3" name="图片占位符 2">
             <a:extLst>
               <a:ext uri="{FF2B5EF4-FFF2-40B4-BE49-F238E27FC236}">
-                <a16:creationId xmlns:a16="http://schemas.microsoft.com/office/drawing/2014/main" id="{A92B1C18-683C-9C30-25F8-BE789E5F6B0B}"/>
+                <a16:creationId xmlns:a16="http://schemas.microsoft.com/office/drawing/2014/main" id="{2D827863-BCAF-1583-BCDF-B977DA763AFF}"/>
               </a:ext>
             </a:extLst>
           </p:cNvPr>
@@ -2574,7 +2574,7 @@
           <p:cNvPr id="4" name="文本占位符 3">
             <a:extLst>
               <a:ext uri="{FF2B5EF4-FFF2-40B4-BE49-F238E27FC236}">
-                <a16:creationId xmlns:a16="http://schemas.microsoft.com/office/drawing/2014/main" id="{DDEE4F4D-9A14-7D60-E8D3-44DEC93872D9}"/>
+                <a16:creationId xmlns:a16="http://schemas.microsoft.com/office/drawing/2014/main" id="{45680C4E-6B01-D49A-2E01-77611CD04758}"/>
               </a:ext>
             </a:extLst>
           </p:cNvPr>
@@ -2645,7 +2645,7 @@
           <p:cNvPr id="5" name="日期占位符 4">
             <a:extLst>
               <a:ext uri="{FF2B5EF4-FFF2-40B4-BE49-F238E27FC236}">
-                <a16:creationId xmlns:a16="http://schemas.microsoft.com/office/drawing/2014/main" id="{F9CBD33E-B887-3AFC-FD06-DB20ACDD8481}"/>
+                <a16:creationId xmlns:a16="http://schemas.microsoft.com/office/drawing/2014/main" id="{EA344FFD-308E-8E28-DBDD-ACDFDF15318A}"/>
               </a:ext>
             </a:extLst>
           </p:cNvPr>
@@ -2661,7 +2661,7 @@
           <a:bodyPr/>
           <a:lstStyle/>
           <a:p>
-            <a:fld id="{30F3126F-472D-4613-B5D2-FCE1CFFE4973}" type="datetimeFigureOut">
+            <a:fld id="{A9ACB10A-663B-4F4A-A10C-E3833C9A87A6}" type="datetimeFigureOut">
               <a:rPr lang="zh-CN" altLang="en-US" smtClean="0"/>
               <a:t>2024/3/10</a:t>
             </a:fld>
@@ -2674,7 +2674,7 @@
           <p:cNvPr id="6" name="页脚占位符 5">
             <a:extLst>
               <a:ext uri="{FF2B5EF4-FFF2-40B4-BE49-F238E27FC236}">
-                <a16:creationId xmlns:a16="http://schemas.microsoft.com/office/drawing/2014/main" id="{07DABDA2-96AC-B281-1B71-76C9851FAB5C}"/>
+                <a16:creationId xmlns:a16="http://schemas.microsoft.com/office/drawing/2014/main" id="{2869D782-C594-EBE1-D54D-7DEC29BCAEE9}"/>
               </a:ext>
             </a:extLst>
           </p:cNvPr>
@@ -2699,7 +2699,7 @@
           <p:cNvPr id="7" name="灯片编号占位符 6">
             <a:extLst>
               <a:ext uri="{FF2B5EF4-FFF2-40B4-BE49-F238E27FC236}">
-                <a16:creationId xmlns:a16="http://schemas.microsoft.com/office/drawing/2014/main" id="{3B359F41-0DAF-4735-691C-A1FDB9C2AE8D}"/>
+                <a16:creationId xmlns:a16="http://schemas.microsoft.com/office/drawing/2014/main" id="{A7C5BC3A-EA19-F59A-047B-B952E623994B}"/>
               </a:ext>
             </a:extLst>
           </p:cNvPr>
@@ -2715,7 +2715,7 @@
           <a:bodyPr/>
           <a:lstStyle/>
           <a:p>
-            <a:fld id="{725BE34B-4912-408A-BD30-703EF62AEAE9}" type="slidenum">
+            <a:fld id="{E2DD51B8-41EA-4CBB-A5C3-0ABD2C638427}" type="slidenum">
               <a:rPr lang="zh-CN" altLang="en-US" smtClean="0"/>
               <a:t>‹#›</a:t>
             </a:fld>
@@ -2726,7 +2726,7 @@
     </p:spTree>
     <p:extLst>
       <p:ext uri="{BB962C8B-B14F-4D97-AF65-F5344CB8AC3E}">
-        <p14:creationId xmlns:p14="http://schemas.microsoft.com/office/powerpoint/2010/main" val="1536577793"/>
+        <p14:creationId xmlns:p14="http://schemas.microsoft.com/office/powerpoint/2010/main" val="2422386299"/>
       </p:ext>
     </p:extLst>
   </p:cSld>
@@ -2763,7 +2763,7 @@
           <p:cNvPr id="2" name="标题占位符 1">
             <a:extLst>
               <a:ext uri="{FF2B5EF4-FFF2-40B4-BE49-F238E27FC236}">
-                <a16:creationId xmlns:a16="http://schemas.microsoft.com/office/drawing/2014/main" id="{2D16EED5-ADC2-2F62-27A3-61CE0F97D3FD}"/>
+                <a16:creationId xmlns:a16="http://schemas.microsoft.com/office/drawing/2014/main" id="{8122DE9D-9535-2A96-62B8-FB3AF09E8F49}"/>
               </a:ext>
             </a:extLst>
           </p:cNvPr>
@@ -2801,7 +2801,7 @@
           <p:cNvPr id="3" name="文本占位符 2">
             <a:extLst>
               <a:ext uri="{FF2B5EF4-FFF2-40B4-BE49-F238E27FC236}">
-                <a16:creationId xmlns:a16="http://schemas.microsoft.com/office/drawing/2014/main" id="{3F4C0608-18F5-2763-3018-033C415E81E1}"/>
+                <a16:creationId xmlns:a16="http://schemas.microsoft.com/office/drawing/2014/main" id="{F84003CC-3988-860D-CFA7-3DA8E2FE0009}"/>
               </a:ext>
             </a:extLst>
           </p:cNvPr>
@@ -2868,7 +2868,7 @@
           <p:cNvPr id="4" name="日期占位符 3">
             <a:extLst>
               <a:ext uri="{FF2B5EF4-FFF2-40B4-BE49-F238E27FC236}">
-                <a16:creationId xmlns:a16="http://schemas.microsoft.com/office/drawing/2014/main" id="{00D4CD6D-9022-5245-80F4-DBBAA93E09BE}"/>
+                <a16:creationId xmlns:a16="http://schemas.microsoft.com/office/drawing/2014/main" id="{CCD14792-6718-3A2D-D418-26204ECE7BBE}"/>
               </a:ext>
             </a:extLst>
           </p:cNvPr>
@@ -2902,7 +2902,7 @@
             </a:lvl1pPr>
           </a:lstStyle>
           <a:p>
-            <a:fld id="{30F3126F-472D-4613-B5D2-FCE1CFFE4973}" type="datetimeFigureOut">
+            <a:fld id="{A9ACB10A-663B-4F4A-A10C-E3833C9A87A6}" type="datetimeFigureOut">
               <a:rPr lang="zh-CN" altLang="en-US" smtClean="0"/>
               <a:t>2024/3/10</a:t>
             </a:fld>
@@ -2915,7 +2915,7 @@
           <p:cNvPr id="5" name="页脚占位符 4">
             <a:extLst>
               <a:ext uri="{FF2B5EF4-FFF2-40B4-BE49-F238E27FC236}">
-                <a16:creationId xmlns:a16="http://schemas.microsoft.com/office/drawing/2014/main" id="{79B71069-692F-11D4-19BD-CDD9B0CBDCFE}"/>
+                <a16:creationId xmlns:a16="http://schemas.microsoft.com/office/drawing/2014/main" id="{23331619-6372-A36B-16E9-C0341D59E398}"/>
               </a:ext>
             </a:extLst>
           </p:cNvPr>
@@ -2958,7 +2958,7 @@
           <p:cNvPr id="6" name="灯片编号占位符 5">
             <a:extLst>
               <a:ext uri="{FF2B5EF4-FFF2-40B4-BE49-F238E27FC236}">
-                <a16:creationId xmlns:a16="http://schemas.microsoft.com/office/drawing/2014/main" id="{58642E7C-CB1A-8173-3EE7-6C66D0D2D236}"/>
+                <a16:creationId xmlns:a16="http://schemas.microsoft.com/office/drawing/2014/main" id="{6ECB02B1-57B6-109F-08D5-C146AD1B0D0F}"/>
               </a:ext>
             </a:extLst>
           </p:cNvPr>
@@ -2992,7 +2992,7 @@
             </a:lvl1pPr>
           </a:lstStyle>
           <a:p>
-            <a:fld id="{725BE34B-4912-408A-BD30-703EF62AEAE9}" type="slidenum">
+            <a:fld id="{E2DD51B8-41EA-4CBB-A5C3-0ABD2C638427}" type="slidenum">
               <a:rPr lang="zh-CN" altLang="en-US" smtClean="0"/>
               <a:t>‹#›</a:t>
             </a:fld>
@@ -3003,7 +3003,7 @@
     </p:spTree>
     <p:extLst>
       <p:ext uri="{BB962C8B-B14F-4D97-AF65-F5344CB8AC3E}">
-        <p14:creationId xmlns:p14="http://schemas.microsoft.com/office/powerpoint/2010/main" val="2519645014"/>
+        <p14:creationId xmlns:p14="http://schemas.microsoft.com/office/powerpoint/2010/main" val="2320427351"/>
       </p:ext>
     </p:extLst>
   </p:cSld>
